--- a/тестирование.pptx
+++ b/тестирование.pptx
@@ -5,11 +5,12 @@
     <p:sldMasterId id="2147483648" r:id="rId1"/>
   </p:sldMasterIdLst>
   <p:notesMasterIdLst>
-    <p:notesMasterId r:id="rId4"/>
+    <p:notesMasterId r:id="rId5"/>
   </p:notesMasterIdLst>
   <p:sldIdLst>
     <p:sldId id="256" r:id="rId2"/>
     <p:sldId id="259" r:id="rId3"/>
+    <p:sldId id="260" r:id="rId4"/>
   </p:sldIdLst>
   <p:sldSz cx="9144000" cy="5143500" type="screen16x9"/>
   <p:notesSz cx="6858000" cy="9144000"/>
@@ -258,7 +259,7 @@
       </p15:sldGuideLst>
     </p:ext>
     <p:ext uri="GoogleSlidesCustomDataVersion2">
-      <go:slidesCustomData xmlns="" xmlns:mc="http://schemas.openxmlformats.org/markup-compatibility/2006" xmlns:mv="urn:schemas-microsoft-com:mac:vml" xmlns:c="http://schemas.openxmlformats.org/drawingml/2006/chart" xmlns:dgm="http://schemas.openxmlformats.org/drawingml/2006/diagram" xmlns:o="urn:schemas-microsoft-com:office:office" xmlns:v="urn:schemas-microsoft-com:vml" xmlns:pvml="urn:schemas-microsoft-com:office:powerpoint" xmlns:com="http://schemas.openxmlformats.org/drawingml/2006/compatibility" xmlns:p14="http://schemas.microsoft.com/office/powerpoint/2010/main" xmlns:p15="http://schemas.microsoft.com/office/powerpoint/2012/main" xmlns:ahyp="http://schemas.microsoft.com/office/drawing/2018/hyperlinkcolor" xmlns:go="http://customooxmlschemas.google.com/" r:id="rId18" roundtripDataSignature="AMtx7mgzEFzGm1lQpqrZT3dykCbboTToYQ=="/>
+      <go:slidesCustomData xmlns:go="http://customooxmlschemas.google.com/" xmlns:ahyp="http://schemas.microsoft.com/office/drawing/2018/hyperlinkcolor" xmlns:p15="http://schemas.microsoft.com/office/powerpoint/2012/main" xmlns:p14="http://schemas.microsoft.com/office/powerpoint/2010/main" xmlns:com="http://schemas.openxmlformats.org/drawingml/2006/compatibility" xmlns:pvml="urn:schemas-microsoft-com:office:powerpoint" xmlns:v="urn:schemas-microsoft-com:vml" xmlns:o="urn:schemas-microsoft-com:office:office" xmlns:dgm="http://schemas.openxmlformats.org/drawingml/2006/diagram" xmlns:c="http://schemas.openxmlformats.org/drawingml/2006/chart" xmlns:mv="urn:schemas-microsoft-com:mac:vml" xmlns:mc="http://schemas.openxmlformats.org/markup-compatibility/2006" xmlns="" r:id="rId18" roundtripDataSignature="AMtx7mgzEFzGm1lQpqrZT3dykCbboTToYQ=="/>
     </p:ext>
   </p:extLst>
 </p:presentation>
@@ -9134,14 +9135,14 @@
           <p:nvPr>
             <p:extLst>
               <p:ext uri="{D42A27DB-BD31-4B8C-83A1-F6EECF244321}">
-                <p14:modId xmlns:p14="http://schemas.microsoft.com/office/powerpoint/2010/main" val="4176858512"/>
+                <p14:modId xmlns:p14="http://schemas.microsoft.com/office/powerpoint/2010/main" val="1219085122"/>
               </p:ext>
             </p:extLst>
           </p:nvPr>
         </p:nvGraphicFramePr>
         <p:xfrm>
           <a:off x="311700" y="1017725"/>
-          <a:ext cx="8520600" cy="3027622"/>
+          <a:ext cx="8520600" cy="3271492"/>
         </p:xfrm>
         <a:graphic>
           <a:graphicData uri="http://schemas.openxmlformats.org/drawingml/2006/table">
@@ -9190,7 +9191,7 @@
                         <a:buNone/>
                       </a:pPr>
                       <a:r>
-                        <a:rPr lang="ru" sz="1400" b="1" u="none" strike="noStrike" cap="none">
+                        <a:rPr lang="ru" sz="1400" b="1" u="none" strike="noStrike" cap="none" dirty="0">
                           <a:solidFill>
                             <a:schemeClr val="tx1"/>
                           </a:solidFill>
@@ -9274,7 +9275,7 @@
                     <a:lstStyle/>
                     <a:p>
                       <a:r>
-                        <a:rPr lang="ru-RU" sz="1400" b="0" i="0" u="none" strike="noStrike" cap="none">
+                        <a:rPr lang="ru-RU" sz="1400" b="0" i="0" u="none" strike="noStrike" cap="none" dirty="0">
                           <a:solidFill>
                             <a:srgbClr val="000000"/>
                           </a:solidFill>
@@ -9287,7 +9288,7 @@
                         <a:t>Открыть главную страницу (</a:t>
                       </a:r>
                       <a:r>
-                        <a:rPr lang="en-US" sz="1400" b="0" i="0" u="none" strike="noStrike" cap="none">
+                        <a:rPr lang="en-US" sz="1400" b="0" i="0" u="none" strike="noStrike" cap="none" dirty="0">
                           <a:solidFill>
                             <a:srgbClr val="000000"/>
                           </a:solidFill>
@@ -9301,7 +9302,7 @@
                         <a:t>https://www.microsoft.com/ru-ru</a:t>
                       </a:r>
                       <a:r>
-                        <a:rPr lang="en-US" sz="1400" b="0" i="0" u="none" strike="noStrike" cap="none">
+                        <a:rPr lang="en-US" sz="1400" b="0" i="0" u="none" strike="noStrike" cap="none" dirty="0">
                           <a:solidFill>
                             <a:srgbClr val="000000"/>
                           </a:solidFill>
@@ -9388,7 +9389,7 @@
                     <a:lstStyle/>
                     <a:p>
                       <a:r>
-                        <a:rPr lang="ru-RU" sz="1400" b="0" i="0" u="none" strike="noStrike" cap="none">
+                        <a:rPr lang="ru-RU" sz="1400" b="0" i="0" u="none" strike="noStrike" cap="none" dirty="0">
                           <a:solidFill>
                             <a:srgbClr val="000000"/>
                           </a:solidFill>
@@ -9401,7 +9402,7 @@
                         <a:t>Кликнуть на "</a:t>
                       </a:r>
                       <a:r>
-                        <a:rPr lang="en-US" sz="1400" b="0" i="0" u="none" strike="noStrike" cap="none">
+                        <a:rPr lang="en-US" sz="1400" b="0" i="0" u="none" strike="noStrike" cap="none" dirty="0">
                           <a:solidFill>
                             <a:srgbClr val="000000"/>
                           </a:solidFill>
@@ -9434,7 +9435,7 @@
                     <a:p>
                       <a:pPr fontAlgn="base"/>
                       <a:r>
-                        <a:rPr lang="ru-RU" sz="1400" b="0" i="0" u="none" strike="noStrike" cap="none">
+                        <a:rPr lang="ru-RU" sz="1400" b="0" i="0" u="none" strike="noStrike" cap="none" dirty="0">
                           <a:solidFill>
                             <a:srgbClr val="000000"/>
                           </a:solidFill>
@@ -9458,6 +9459,87 @@
                 <a:extLst>
                   <a:ext uri="{0D108BD9-81ED-4DB2-BD59-A6C34878D82A}">
                     <a16:rowId xmlns:a16="http://schemas.microsoft.com/office/drawing/2014/main" val="10002"/>
+                  </a:ext>
+                </a:extLst>
+              </a:tr>
+              <a:tr h="381000">
+                <a:tc>
+                  <a:txBody>
+                    <a:bodyPr/>
+                    <a:lstStyle/>
+                    <a:p>
+                      <a:r>
+                        <a:rPr lang="ru-RU" sz="1400" b="0" i="0" u="none" strike="noStrike" cap="none" dirty="0">
+                          <a:solidFill>
+                            <a:srgbClr val="000000"/>
+                          </a:solidFill>
+                          <a:effectLst/>
+                          <a:latin typeface="Times New Roman" panose="02020603050405020304" pitchFamily="18" charset="0"/>
+                          <a:ea typeface="Arial"/>
+                          <a:cs typeface="Times New Roman" panose="02020603050405020304" pitchFamily="18" charset="0"/>
+                          <a:sym typeface="Arial"/>
+                        </a:rPr>
+                        <a:t>Вернуть назад на главную страницу (</a:t>
+                      </a:r>
+                      <a:r>
+                        <a:rPr lang="en-US" sz="1400" b="0" i="0" u="none" strike="noStrike" cap="none" dirty="0">
+                          <a:solidFill>
+                            <a:srgbClr val="000000"/>
+                          </a:solidFill>
+                          <a:effectLst/>
+                          <a:latin typeface="Times New Roman" panose="02020603050405020304" pitchFamily="18" charset="0"/>
+                          <a:ea typeface="Arial"/>
+                          <a:cs typeface="Times New Roman" panose="02020603050405020304" pitchFamily="18" charset="0"/>
+                          <a:sym typeface="Arial"/>
+                          <a:hlinkClick r:id="rId3"/>
+                        </a:rPr>
+                        <a:t>https://www.microsoft.com/ru-ru</a:t>
+                      </a:r>
+                      <a:r>
+                        <a:rPr lang="en-US" sz="1400" b="0" i="0" u="none" strike="noStrike" cap="none" dirty="0">
+                          <a:solidFill>
+                            <a:srgbClr val="000000"/>
+                          </a:solidFill>
+                          <a:effectLst/>
+                          <a:latin typeface="Times New Roman" panose="02020603050405020304" pitchFamily="18" charset="0"/>
+                          <a:ea typeface="Arial"/>
+                          <a:cs typeface="Times New Roman" panose="02020603050405020304" pitchFamily="18" charset="0"/>
+                          <a:sym typeface="Arial"/>
+                        </a:rPr>
+                        <a:t>)</a:t>
+                      </a:r>
+                      <a:endParaRPr lang="ru-RU" sz="1400" b="0" i="0" u="none" strike="noStrike" cap="none" dirty="0">
+                        <a:solidFill>
+                          <a:srgbClr val="000000"/>
+                        </a:solidFill>
+                        <a:effectLst/>
+                        <a:latin typeface="Times New Roman" panose="02020603050405020304" pitchFamily="18" charset="0"/>
+                        <a:ea typeface="Arial"/>
+                        <a:cs typeface="Times New Roman" panose="02020603050405020304" pitchFamily="18" charset="0"/>
+                        <a:sym typeface="Arial"/>
+                      </a:endParaRPr>
+                    </a:p>
+                  </a:txBody>
+                  <a:tcPr marL="91425" marR="91425" marT="91425" marB="91425"/>
+                </a:tc>
+                <a:tc>
+                  <a:txBody>
+                    <a:bodyPr/>
+                    <a:lstStyle/>
+                    <a:p>
+                      <a:pPr fontAlgn="base"/>
+                      <a:endParaRPr lang="ru-RU" sz="1400" dirty="0">
+                        <a:effectLst/>
+                        <a:latin typeface="Times New Roman" panose="02020603050405020304" pitchFamily="18" charset="0"/>
+                        <a:cs typeface="Times New Roman" panose="02020603050405020304" pitchFamily="18" charset="0"/>
+                      </a:endParaRPr>
+                    </a:p>
+                  </a:txBody>
+                  <a:tcPr anchor="ctr"/>
+                </a:tc>
+                <a:extLst>
+                  <a:ext uri="{0D108BD9-81ED-4DB2-BD59-A6C34878D82A}">
+                    <a16:rowId xmlns:a16="http://schemas.microsoft.com/office/drawing/2014/main" val="105887317"/>
                   </a:ext>
                 </a:extLst>
               </a:tr>
@@ -9580,6 +9662,347 @@
                     <a:bodyPr/>
                     <a:lstStyle/>
                     <a:p>
+                      <a:pPr marL="0" marR="0" lvl="0" indent="0" algn="l" defTabSz="914400" rtl="0" eaLnBrk="1" fontAlgn="auto" latinLnBrk="0" hangingPunct="1">
+                        <a:lnSpc>
+                          <a:spcPct val="100000"/>
+                        </a:lnSpc>
+                        <a:spcBef>
+                          <a:spcPts val="0"/>
+                        </a:spcBef>
+                        <a:spcAft>
+                          <a:spcPts val="0"/>
+                        </a:spcAft>
+                        <a:buClr>
+                          <a:srgbClr val="000000"/>
+                        </a:buClr>
+                        <a:buSzTx/>
+                        <a:buFont typeface="Arial"/>
+                        <a:buNone/>
+                        <a:tabLst/>
+                        <a:defRPr/>
+                      </a:pPr>
+                      <a:r>
+                        <a:rPr lang="ru-RU" sz="1400" b="0" i="0" u="none" strike="noStrike" cap="none" dirty="0">
+                          <a:solidFill>
+                            <a:srgbClr val="000000"/>
+                          </a:solidFill>
+                          <a:effectLst/>
+                          <a:latin typeface="Times New Roman" panose="02020603050405020304" pitchFamily="18" charset="0"/>
+                          <a:ea typeface="Arial"/>
+                          <a:cs typeface="Times New Roman" panose="02020603050405020304" pitchFamily="18" charset="0"/>
+                          <a:sym typeface="Arial"/>
+                        </a:rPr>
+                        <a:t>Вернуть назад на главную страницу (</a:t>
+                      </a:r>
+                      <a:r>
+                        <a:rPr lang="en-US" sz="1400" b="0" i="0" u="none" strike="noStrike" cap="none" dirty="0">
+                          <a:solidFill>
+                            <a:srgbClr val="000000"/>
+                          </a:solidFill>
+                          <a:effectLst/>
+                          <a:latin typeface="Times New Roman" panose="02020603050405020304" pitchFamily="18" charset="0"/>
+                          <a:ea typeface="Arial"/>
+                          <a:cs typeface="Times New Roman" panose="02020603050405020304" pitchFamily="18" charset="0"/>
+                          <a:sym typeface="Arial"/>
+                          <a:hlinkClick r:id="rId3"/>
+                        </a:rPr>
+                        <a:t>https://www.microsoft.com/ru-ru</a:t>
+                      </a:r>
+                      <a:r>
+                        <a:rPr lang="en-US" sz="1400" b="0" i="0" u="none" strike="noStrike" cap="none" dirty="0">
+                          <a:solidFill>
+                            <a:srgbClr val="000000"/>
+                          </a:solidFill>
+                          <a:effectLst/>
+                          <a:latin typeface="Times New Roman" panose="02020603050405020304" pitchFamily="18" charset="0"/>
+                          <a:ea typeface="Arial"/>
+                          <a:cs typeface="Times New Roman" panose="02020603050405020304" pitchFamily="18" charset="0"/>
+                          <a:sym typeface="Arial"/>
+                        </a:rPr>
+                        <a:t>)</a:t>
+                      </a:r>
+                      <a:endParaRPr lang="ru-RU" sz="1400" b="0" i="0" u="none" strike="noStrike" cap="none" dirty="0">
+                        <a:solidFill>
+                          <a:srgbClr val="000000"/>
+                        </a:solidFill>
+                        <a:effectLst/>
+                        <a:latin typeface="Times New Roman" panose="02020603050405020304" pitchFamily="18" charset="0"/>
+                        <a:ea typeface="Arial"/>
+                        <a:cs typeface="Times New Roman" panose="02020603050405020304" pitchFamily="18" charset="0"/>
+                        <a:sym typeface="Arial"/>
+                      </a:endParaRPr>
+                    </a:p>
+                    <a:p>
+                      <a:endParaRPr lang="ru-RU" sz="1400" b="0" i="0" u="none" strike="noStrike" cap="none" dirty="0">
+                        <a:solidFill>
+                          <a:srgbClr val="000000"/>
+                        </a:solidFill>
+                        <a:effectLst/>
+                        <a:latin typeface="Times New Roman" panose="02020603050405020304" pitchFamily="18" charset="0"/>
+                        <a:ea typeface="Arial"/>
+                        <a:cs typeface="Times New Roman" panose="02020603050405020304" pitchFamily="18" charset="0"/>
+                        <a:sym typeface="Arial"/>
+                      </a:endParaRPr>
+                    </a:p>
+                  </a:txBody>
+                  <a:tcPr marL="91425" marR="91425" marT="91425" marB="91425"/>
+                </a:tc>
+                <a:tc>
+                  <a:txBody>
+                    <a:bodyPr/>
+                    <a:lstStyle/>
+                    <a:p>
+                      <a:pPr marL="0" marR="0" lvl="0" indent="0" algn="just" rtl="0">
+                        <a:lnSpc>
+                          <a:spcPct val="100000"/>
+                        </a:lnSpc>
+                        <a:spcBef>
+                          <a:spcPts val="0"/>
+                        </a:spcBef>
+                        <a:spcAft>
+                          <a:spcPts val="0"/>
+                        </a:spcAft>
+                        <a:buClr>
+                          <a:srgbClr val="000000"/>
+                        </a:buClr>
+                        <a:buSzPts val="1200"/>
+                        <a:buFont typeface="Arial"/>
+                        <a:buNone/>
+                      </a:pPr>
+                      <a:endParaRPr sz="1400" b="0" u="none" strike="noStrike" cap="none" dirty="0">
+                        <a:solidFill>
+                          <a:schemeClr val="tx1"/>
+                        </a:solidFill>
+                        <a:latin typeface="Times New Roman" panose="02020603050405020304" pitchFamily="18" charset="0"/>
+                        <a:ea typeface="Times New Roman"/>
+                        <a:cs typeface="Times New Roman" panose="02020603050405020304" pitchFamily="18" charset="0"/>
+                        <a:sym typeface="Times New Roman"/>
+                      </a:endParaRPr>
+                    </a:p>
+                  </a:txBody>
+                  <a:tcPr marL="91425" marR="91425" marT="91425" marB="91425"/>
+                </a:tc>
+                <a:extLst>
+                  <a:ext uri="{0D108BD9-81ED-4DB2-BD59-A6C34878D82A}">
+                    <a16:rowId xmlns:a16="http://schemas.microsoft.com/office/drawing/2014/main" val="1432367508"/>
+                  </a:ext>
+                </a:extLst>
+              </a:tr>
+            </a:tbl>
+          </a:graphicData>
+        </a:graphic>
+      </p:graphicFrame>
+    </p:spTree>
+    <p:extLst>
+      <p:ext uri="{BB962C8B-B14F-4D97-AF65-F5344CB8AC3E}">
+        <p14:creationId xmlns:p14="http://schemas.microsoft.com/office/powerpoint/2010/main" val="3924187437"/>
+      </p:ext>
+    </p:extLst>
+  </p:cSld>
+  <p:clrMapOvr>
+    <a:masterClrMapping/>
+  </p:clrMapOvr>
+</p:sld>
+</file>
+
+<file path=ppt/slides/slide3.xml><?xml version="1.0" encoding="utf-8"?>
+<p:sld xmlns:a="http://schemas.openxmlformats.org/drawingml/2006/main" xmlns:r="http://schemas.openxmlformats.org/officeDocument/2006/relationships" xmlns:p="http://schemas.openxmlformats.org/presentationml/2006/main">
+  <p:cSld>
+    <p:spTree>
+      <p:nvGrpSpPr>
+        <p:cNvPr id="1" name=""/>
+        <p:cNvGrpSpPr/>
+        <p:nvPr/>
+      </p:nvGrpSpPr>
+      <p:grpSpPr>
+        <a:xfrm>
+          <a:off x="0" y="0"/>
+          <a:ext cx="0" cy="0"/>
+          <a:chOff x="0" y="0"/>
+          <a:chExt cx="0" cy="0"/>
+        </a:xfrm>
+      </p:grpSpPr>
+      <p:sp>
+        <p:nvSpPr>
+          <p:cNvPr id="2" name="Заголовок 1">
+            <a:extLst>
+              <a:ext uri="{FF2B5EF4-FFF2-40B4-BE49-F238E27FC236}">
+                <a16:creationId xmlns:a16="http://schemas.microsoft.com/office/drawing/2014/main" id="{59F72E9D-3521-3DE0-46B1-33EA6D7541C4}"/>
+              </a:ext>
+            </a:extLst>
+          </p:cNvPr>
+          <p:cNvSpPr>
+            <a:spLocks noGrp="1"/>
+          </p:cNvSpPr>
+          <p:nvPr>
+            <p:ph type="title"/>
+          </p:nvPr>
+        </p:nvSpPr>
+        <p:spPr/>
+        <p:txBody>
+          <a:bodyPr>
+            <a:normAutofit fontScale="90000"/>
+          </a:bodyPr>
+          <a:lstStyle/>
+          <a:p>
+            <a:endParaRPr lang="ru-RU"/>
+          </a:p>
+        </p:txBody>
+      </p:sp>
+      <p:graphicFrame>
+        <p:nvGraphicFramePr>
+          <p:cNvPr id="5" name="Таблица 4">
+            <a:extLst>
+              <a:ext uri="{FF2B5EF4-FFF2-40B4-BE49-F238E27FC236}">
+                <a16:creationId xmlns:a16="http://schemas.microsoft.com/office/drawing/2014/main" id="{F5162EC1-AB42-FE2A-D98F-CED3DB4B9F5C}"/>
+              </a:ext>
+            </a:extLst>
+          </p:cNvPr>
+          <p:cNvGraphicFramePr>
+            <a:graphicFrameLocks noGrp="1"/>
+          </p:cNvGraphicFramePr>
+          <p:nvPr>
+            <p:extLst>
+              <p:ext uri="{D42A27DB-BD31-4B8C-83A1-F6EECF244321}">
+                <p14:modId xmlns:p14="http://schemas.microsoft.com/office/powerpoint/2010/main" val="2577230728"/>
+              </p:ext>
+            </p:extLst>
+          </p:nvPr>
+        </p:nvGraphicFramePr>
+        <p:xfrm>
+          <a:off x="311700" y="1244889"/>
+          <a:ext cx="8520600" cy="3637192"/>
+        </p:xfrm>
+        <a:graphic>
+          <a:graphicData uri="http://schemas.openxmlformats.org/drawingml/2006/table">
+            <a:tbl>
+              <a:tblPr>
+                <a:noFill/>
+                <a:tableStyleId>{D1B83134-4359-4E08-880E-B5998F5FEEE7}</a:tableStyleId>
+              </a:tblPr>
+              <a:tblGrid>
+                <a:gridCol w="4260300">
+                  <a:extLst>
+                    <a:ext uri="{9D8B030D-6E8A-4147-A177-3AD203B41FA5}">
+                      <a16:colId xmlns:a16="http://schemas.microsoft.com/office/drawing/2014/main" val="2888486378"/>
+                    </a:ext>
+                  </a:extLst>
+                </a:gridCol>
+                <a:gridCol w="4260300">
+                  <a:extLst>
+                    <a:ext uri="{9D8B030D-6E8A-4147-A177-3AD203B41FA5}">
+                      <a16:colId xmlns:a16="http://schemas.microsoft.com/office/drawing/2014/main" val="1026099990"/>
+                    </a:ext>
+                  </a:extLst>
+                </a:gridCol>
+              </a:tblGrid>
+              <a:tr h="437002">
+                <a:tc>
+                  <a:txBody>
+                    <a:bodyPr/>
+                    <a:lstStyle/>
+                    <a:p>
+                      <a:pPr marL="0" marR="0" lvl="0" indent="0" algn="ctr" rtl="0">
+                        <a:lnSpc>
+                          <a:spcPct val="100000"/>
+                        </a:lnSpc>
+                        <a:spcBef>
+                          <a:spcPts val="0"/>
+                        </a:spcBef>
+                        <a:spcAft>
+                          <a:spcPts val="0"/>
+                        </a:spcAft>
+                        <a:buClr>
+                          <a:srgbClr val="000000"/>
+                        </a:buClr>
+                        <a:buSzPts val="1200"/>
+                        <a:buFont typeface="Arial"/>
+                        <a:buNone/>
+                      </a:pPr>
+                      <a:r>
+                        <a:rPr lang="ru" sz="1400" b="1" u="none" strike="noStrike" cap="none" dirty="0">
+                          <a:solidFill>
+                            <a:schemeClr val="tx1"/>
+                          </a:solidFill>
+                          <a:latin typeface="Times New Roman" panose="02020603050405020304" pitchFamily="18" charset="0"/>
+                          <a:ea typeface="Times New Roman"/>
+                          <a:cs typeface="Times New Roman" panose="02020603050405020304" pitchFamily="18" charset="0"/>
+                          <a:sym typeface="Times New Roman"/>
+                        </a:rPr>
+                        <a:t>Шаг</a:t>
+                      </a:r>
+                      <a:endParaRPr sz="1400" b="1" u="none" strike="noStrike" cap="none" dirty="0">
+                        <a:solidFill>
+                          <a:schemeClr val="tx1"/>
+                        </a:solidFill>
+                        <a:latin typeface="Times New Roman" panose="02020603050405020304" pitchFamily="18" charset="0"/>
+                        <a:ea typeface="Times New Roman"/>
+                        <a:cs typeface="Times New Roman" panose="02020603050405020304" pitchFamily="18" charset="0"/>
+                        <a:sym typeface="Times New Roman"/>
+                      </a:endParaRPr>
+                    </a:p>
+                  </a:txBody>
+                  <a:tcPr marL="91425" marR="91425" marT="91425" marB="91425" anchor="ctr"/>
+                </a:tc>
+                <a:tc>
+                  <a:txBody>
+                    <a:bodyPr/>
+                    <a:lstStyle/>
+                    <a:p>
+                      <a:pPr marL="0" marR="0" lvl="0" indent="0" algn="ctr" rtl="0">
+                        <a:lnSpc>
+                          <a:spcPct val="100000"/>
+                        </a:lnSpc>
+                        <a:spcBef>
+                          <a:spcPts val="0"/>
+                        </a:spcBef>
+                        <a:spcAft>
+                          <a:spcPts val="0"/>
+                        </a:spcAft>
+                        <a:buClr>
+                          <a:srgbClr val="000000"/>
+                        </a:buClr>
+                        <a:buSzPts val="1200"/>
+                        <a:buFont typeface="Arial"/>
+                        <a:buNone/>
+                      </a:pPr>
+                      <a:r>
+                        <a:rPr lang="ru" sz="1400" b="1" u="none" strike="noStrike" cap="none">
+                          <a:solidFill>
+                            <a:schemeClr val="tx1"/>
+                          </a:solidFill>
+                          <a:latin typeface="Times New Roman" panose="02020603050405020304" pitchFamily="18" charset="0"/>
+                          <a:ea typeface="Times New Roman"/>
+                          <a:cs typeface="Times New Roman" panose="02020603050405020304" pitchFamily="18" charset="0"/>
+                          <a:sym typeface="Times New Roman"/>
+                        </a:rPr>
+                        <a:t>Ожидаемый результат</a:t>
+                      </a:r>
+                      <a:endParaRPr sz="1400" b="1" u="none" strike="noStrike" cap="none" dirty="0">
+                        <a:solidFill>
+                          <a:schemeClr val="tx1"/>
+                        </a:solidFill>
+                        <a:latin typeface="Times New Roman" panose="02020603050405020304" pitchFamily="18" charset="0"/>
+                        <a:ea typeface="Times New Roman"/>
+                        <a:cs typeface="Times New Roman" panose="02020603050405020304" pitchFamily="18" charset="0"/>
+                        <a:sym typeface="Times New Roman"/>
+                      </a:endParaRPr>
+                    </a:p>
+                  </a:txBody>
+                  <a:tcPr marL="91425" marR="91425" marT="91425" marB="91425" anchor="ctr"/>
+                </a:tc>
+                <a:extLst>
+                  <a:ext uri="{0D108BD9-81ED-4DB2-BD59-A6C34878D82A}">
+                    <a16:rowId xmlns:a16="http://schemas.microsoft.com/office/drawing/2014/main" val="1129452012"/>
+                  </a:ext>
+                </a:extLst>
+              </a:tr>
+              <a:tr h="381000">
+                <a:tc>
+                  <a:txBody>
+                    <a:bodyPr/>
+                    <a:lstStyle/>
+                    <a:p>
                       <a:r>
                         <a:rPr lang="ru-RU" sz="1400" b="0" i="0" u="none" strike="noStrike" cap="none" dirty="0">
                           <a:solidFill>
@@ -9670,7 +10093,88 @@
                 </a:tc>
                 <a:extLst>
                   <a:ext uri="{0D108BD9-81ED-4DB2-BD59-A6C34878D82A}">
-                    <a16:rowId xmlns:a16="http://schemas.microsoft.com/office/drawing/2014/main" val="10004"/>
+                    <a16:rowId xmlns:a16="http://schemas.microsoft.com/office/drawing/2014/main" val="318045867"/>
+                  </a:ext>
+                </a:extLst>
+              </a:tr>
+              <a:tr h="381000">
+                <a:tc>
+                  <a:txBody>
+                    <a:bodyPr/>
+                    <a:lstStyle/>
+                    <a:p>
+                      <a:r>
+                        <a:rPr lang="ru-RU" sz="1400" b="0" i="0" u="none" strike="noStrike" cap="none" dirty="0">
+                          <a:solidFill>
+                            <a:srgbClr val="000000"/>
+                          </a:solidFill>
+                          <a:effectLst/>
+                          <a:latin typeface="Times New Roman" panose="02020603050405020304" pitchFamily="18" charset="0"/>
+                          <a:ea typeface="Arial"/>
+                          <a:cs typeface="Times New Roman" panose="02020603050405020304" pitchFamily="18" charset="0"/>
+                          <a:sym typeface="Arial"/>
+                        </a:rPr>
+                        <a:t>Вернуть назад на главную страницу (</a:t>
+                      </a:r>
+                      <a:r>
+                        <a:rPr lang="en-US" sz="1400" b="0" i="0" u="none" strike="noStrike" cap="none" dirty="0">
+                          <a:solidFill>
+                            <a:srgbClr val="000000"/>
+                          </a:solidFill>
+                          <a:effectLst/>
+                          <a:latin typeface="Times New Roman" panose="02020603050405020304" pitchFamily="18" charset="0"/>
+                          <a:ea typeface="Arial"/>
+                          <a:cs typeface="Times New Roman" panose="02020603050405020304" pitchFamily="18" charset="0"/>
+                          <a:sym typeface="Arial"/>
+                          <a:hlinkClick r:id="rId2"/>
+                        </a:rPr>
+                        <a:t>https://www.microsoft.com/ru-ru</a:t>
+                      </a:r>
+                      <a:r>
+                        <a:rPr lang="en-US" sz="1400" b="0" i="0" u="none" strike="noStrike" cap="none" dirty="0">
+                          <a:solidFill>
+                            <a:srgbClr val="000000"/>
+                          </a:solidFill>
+                          <a:effectLst/>
+                          <a:latin typeface="Times New Roman" panose="02020603050405020304" pitchFamily="18" charset="0"/>
+                          <a:ea typeface="Arial"/>
+                          <a:cs typeface="Times New Roman" panose="02020603050405020304" pitchFamily="18" charset="0"/>
+                          <a:sym typeface="Arial"/>
+                        </a:rPr>
+                        <a:t>)</a:t>
+                      </a:r>
+                      <a:endParaRPr lang="ru-RU" sz="1400" b="0" i="0" u="none" strike="noStrike" cap="none" dirty="0">
+                        <a:solidFill>
+                          <a:srgbClr val="000000"/>
+                        </a:solidFill>
+                        <a:effectLst/>
+                        <a:latin typeface="Times New Roman" panose="02020603050405020304" pitchFamily="18" charset="0"/>
+                        <a:ea typeface="Arial"/>
+                        <a:cs typeface="Times New Roman" panose="02020603050405020304" pitchFamily="18" charset="0"/>
+                        <a:sym typeface="Arial"/>
+                      </a:endParaRPr>
+                    </a:p>
+                  </a:txBody>
+                  <a:tcPr marL="91425" marR="91425" marT="91425" marB="91425"/>
+                </a:tc>
+                <a:tc>
+                  <a:txBody>
+                    <a:bodyPr/>
+                    <a:lstStyle/>
+                    <a:p>
+                      <a:pPr fontAlgn="base"/>
+                      <a:endParaRPr lang="ru-RU" sz="1400" dirty="0">
+                        <a:effectLst/>
+                        <a:latin typeface="Times New Roman" panose="02020603050405020304" pitchFamily="18" charset="0"/>
+                        <a:cs typeface="Times New Roman" panose="02020603050405020304" pitchFamily="18" charset="0"/>
+                      </a:endParaRPr>
+                    </a:p>
+                  </a:txBody>
+                  <a:tcPr anchor="ctr"/>
+                </a:tc>
+                <a:extLst>
+                  <a:ext uri="{0D108BD9-81ED-4DB2-BD59-A6C34878D82A}">
+                    <a16:rowId xmlns:a16="http://schemas.microsoft.com/office/drawing/2014/main" val="2717053015"/>
                   </a:ext>
                 </a:extLst>
               </a:tr>
@@ -9747,7 +10251,165 @@
                 </a:tc>
                 <a:extLst>
                   <a:ext uri="{0D108BD9-81ED-4DB2-BD59-A6C34878D82A}">
-                    <a16:rowId xmlns:a16="http://schemas.microsoft.com/office/drawing/2014/main" val="1433926765"/>
+                    <a16:rowId xmlns:a16="http://schemas.microsoft.com/office/drawing/2014/main" val="567081859"/>
+                  </a:ext>
+                </a:extLst>
+              </a:tr>
+              <a:tr h="381000">
+                <a:tc>
+                  <a:txBody>
+                    <a:bodyPr/>
+                    <a:lstStyle/>
+                    <a:p>
+                      <a:r>
+                        <a:rPr lang="ru-RU" sz="1400" b="0" i="0" u="none" strike="noStrike" cap="none" dirty="0">
+                          <a:solidFill>
+                            <a:srgbClr val="000000"/>
+                          </a:solidFill>
+                          <a:effectLst/>
+                          <a:latin typeface="Times New Roman" panose="02020603050405020304" pitchFamily="18" charset="0"/>
+                          <a:ea typeface="Arial"/>
+                          <a:cs typeface="Times New Roman" panose="02020603050405020304" pitchFamily="18" charset="0"/>
+                          <a:sym typeface="Arial"/>
+                        </a:rPr>
+                        <a:t>Вернуть назад на главную страницу (</a:t>
+                      </a:r>
+                      <a:r>
+                        <a:rPr lang="en-US" sz="1400" b="0" i="0" u="none" strike="noStrike" cap="none" dirty="0">
+                          <a:solidFill>
+                            <a:srgbClr val="000000"/>
+                          </a:solidFill>
+                          <a:effectLst/>
+                          <a:latin typeface="Times New Roman" panose="02020603050405020304" pitchFamily="18" charset="0"/>
+                          <a:ea typeface="Arial"/>
+                          <a:cs typeface="Times New Roman" panose="02020603050405020304" pitchFamily="18" charset="0"/>
+                          <a:sym typeface="Arial"/>
+                          <a:hlinkClick r:id="rId2"/>
+                        </a:rPr>
+                        <a:t>https://www.microsoft.com/ru-ru</a:t>
+                      </a:r>
+                      <a:r>
+                        <a:rPr lang="en-US" sz="1400" b="0" i="0" u="none" strike="noStrike" cap="none" dirty="0">
+                          <a:solidFill>
+                            <a:srgbClr val="000000"/>
+                          </a:solidFill>
+                          <a:effectLst/>
+                          <a:latin typeface="Times New Roman" panose="02020603050405020304" pitchFamily="18" charset="0"/>
+                          <a:ea typeface="Arial"/>
+                          <a:cs typeface="Times New Roman" panose="02020603050405020304" pitchFamily="18" charset="0"/>
+                          <a:sym typeface="Arial"/>
+                        </a:rPr>
+                        <a:t>)</a:t>
+                      </a:r>
+                      <a:endParaRPr lang="ru-RU" sz="1400" b="0" i="0" u="none" strike="noStrike" cap="none" dirty="0">
+                        <a:solidFill>
+                          <a:srgbClr val="000000"/>
+                        </a:solidFill>
+                        <a:effectLst/>
+                        <a:latin typeface="Times New Roman" panose="02020603050405020304" pitchFamily="18" charset="0"/>
+                        <a:ea typeface="Arial"/>
+                        <a:cs typeface="Times New Roman" panose="02020603050405020304" pitchFamily="18" charset="0"/>
+                        <a:sym typeface="Arial"/>
+                      </a:endParaRPr>
+                    </a:p>
+                  </a:txBody>
+                  <a:tcPr marL="91425" marR="91425" marT="91425" marB="91425"/>
+                </a:tc>
+                <a:tc>
+                  <a:txBody>
+                    <a:bodyPr/>
+                    <a:lstStyle/>
+                    <a:p>
+                      <a:pPr fontAlgn="base"/>
+                      <a:endParaRPr lang="ru-RU" sz="1400" dirty="0">
+                        <a:effectLst/>
+                        <a:latin typeface="Times New Roman" panose="02020603050405020304" pitchFamily="18" charset="0"/>
+                        <a:cs typeface="Times New Roman" panose="02020603050405020304" pitchFamily="18" charset="0"/>
+                      </a:endParaRPr>
+                    </a:p>
+                  </a:txBody>
+                  <a:tcPr anchor="ctr"/>
+                </a:tc>
+                <a:extLst>
+                  <a:ext uri="{0D108BD9-81ED-4DB2-BD59-A6C34878D82A}">
+                    <a16:rowId xmlns:a16="http://schemas.microsoft.com/office/drawing/2014/main" val="1637610072"/>
+                  </a:ext>
+                </a:extLst>
+              </a:tr>
+              <a:tr h="381000">
+                <a:tc>
+                  <a:txBody>
+                    <a:bodyPr/>
+                    <a:lstStyle/>
+                    <a:p>
+                      <a:r>
+                        <a:rPr lang="ru-RU" sz="1400" b="0" i="0" u="none" strike="noStrike" cap="none" dirty="0">
+                          <a:solidFill>
+                            <a:srgbClr val="000000"/>
+                          </a:solidFill>
+                          <a:effectLst/>
+                          <a:latin typeface="Times New Roman" panose="02020603050405020304" pitchFamily="18" charset="0"/>
+                          <a:ea typeface="Arial"/>
+                          <a:cs typeface="Times New Roman" panose="02020603050405020304" pitchFamily="18" charset="0"/>
+                          <a:sym typeface="Arial"/>
+                        </a:rPr>
+                        <a:t>Кликнуть на "Поддержка" </a:t>
+                      </a:r>
+                    </a:p>
+                  </a:txBody>
+                  <a:tcPr marL="91425" marR="91425" marT="91425" marB="91425"/>
+                </a:tc>
+                <a:tc>
+                  <a:txBody>
+                    <a:bodyPr/>
+                    <a:lstStyle/>
+                    <a:p>
+                      <a:pPr marL="0" marR="0" lvl="0" indent="0" algn="just" rtl="0">
+                        <a:lnSpc>
+                          <a:spcPct val="100000"/>
+                        </a:lnSpc>
+                        <a:spcBef>
+                          <a:spcPts val="0"/>
+                        </a:spcBef>
+                        <a:spcAft>
+                          <a:spcPts val="0"/>
+                        </a:spcAft>
+                        <a:buClr>
+                          <a:srgbClr val="000000"/>
+                        </a:buClr>
+                        <a:buSzPts val="1200"/>
+                        <a:buFont typeface="Arial"/>
+                        <a:buNone/>
+                      </a:pPr>
+                      <a:r>
+                        <a:rPr lang="ru-RU" sz="1400" b="0" i="0" u="none" strike="noStrike" cap="none" dirty="0">
+                          <a:solidFill>
+                            <a:srgbClr val="000000"/>
+                          </a:solidFill>
+                          <a:effectLst/>
+                          <a:latin typeface="Times New Roman" panose="02020603050405020304" pitchFamily="18" charset="0"/>
+                          <a:ea typeface="Arial"/>
+                          <a:cs typeface="Times New Roman" panose="02020603050405020304" pitchFamily="18" charset="0"/>
+                          <a:sym typeface="Arial"/>
+                        </a:rPr>
+                        <a:t>Переход на страницу поддержки </a:t>
+                      </a:r>
+                      <a:endParaRPr sz="1400" u="none" strike="noStrike" cap="none" dirty="0">
+                        <a:solidFill>
+                          <a:schemeClr val="tx1"/>
+                        </a:solidFill>
+                        <a:latin typeface="Times New Roman" panose="02020603050405020304" pitchFamily="18" charset="0"/>
+                        <a:ea typeface="Times New Roman"/>
+                        <a:cs typeface="Times New Roman" panose="02020603050405020304" pitchFamily="18" charset="0"/>
+                        <a:sym typeface="Times New Roman"/>
+                      </a:endParaRPr>
+                    </a:p>
+                  </a:txBody>
+                  <a:tcPr marL="91425" marR="91425" marT="91425" marB="91425"/>
+                </a:tc>
+                <a:extLst>
+                  <a:ext uri="{0D108BD9-81ED-4DB2-BD59-A6C34878D82A}">
+                    <a16:rowId xmlns:a16="http://schemas.microsoft.com/office/drawing/2014/main" val="1423043941"/>
                   </a:ext>
                 </a:extLst>
               </a:tr>
@@ -9824,7 +10486,84 @@
                 </a:tc>
                 <a:extLst>
                   <a:ext uri="{0D108BD9-81ED-4DB2-BD59-A6C34878D82A}">
-                    <a16:rowId xmlns:a16="http://schemas.microsoft.com/office/drawing/2014/main" val="1002974004"/>
+                    <a16:rowId xmlns:a16="http://schemas.microsoft.com/office/drawing/2014/main" val="3351631517"/>
+                  </a:ext>
+                </a:extLst>
+              </a:tr>
+              <a:tr h="381000">
+                <a:tc>
+                  <a:txBody>
+                    <a:bodyPr/>
+                    <a:lstStyle/>
+                    <a:p>
+                      <a:r>
+                        <a:rPr lang="ru-RU" sz="1400" b="0" i="0" u="none" strike="noStrike" cap="none" dirty="0">
+                          <a:solidFill>
+                            <a:srgbClr val="000000"/>
+                          </a:solidFill>
+                          <a:effectLst/>
+                          <a:latin typeface="Times New Roman" panose="02020603050405020304" pitchFamily="18" charset="0"/>
+                          <a:ea typeface="Arial"/>
+                          <a:cs typeface="Times New Roman" panose="02020603050405020304" pitchFamily="18" charset="0"/>
+                          <a:sym typeface="Arial"/>
+                        </a:rPr>
+                        <a:t>Проверить, ввёлся </a:t>
+                      </a:r>
+                      <a:r>
+                        <a:rPr lang="ru-RU" sz="1400" b="0" i="0" u="none" strike="noStrike" cap="none">
+                          <a:solidFill>
+                            <a:srgbClr val="000000"/>
+                          </a:solidFill>
+                          <a:effectLst/>
+                          <a:latin typeface="Times New Roman" panose="02020603050405020304" pitchFamily="18" charset="0"/>
+                          <a:ea typeface="Arial"/>
+                          <a:cs typeface="Times New Roman" panose="02020603050405020304" pitchFamily="18" charset="0"/>
+                          <a:sym typeface="Arial"/>
+                        </a:rPr>
+                        <a:t>ли текст</a:t>
+                      </a:r>
+                    </a:p>
+                  </a:txBody>
+                  <a:tcPr marL="91425" marR="91425" marT="91425" marB="91425"/>
+                </a:tc>
+                <a:tc>
+                  <a:txBody>
+                    <a:bodyPr/>
+                    <a:lstStyle/>
+                    <a:p>
+                      <a:pPr marL="0" marR="0" lvl="0" indent="0" algn="just" rtl="0">
+                        <a:lnSpc>
+                          <a:spcPct val="100000"/>
+                        </a:lnSpc>
+                        <a:spcBef>
+                          <a:spcPts val="0"/>
+                        </a:spcBef>
+                        <a:spcAft>
+                          <a:spcPts val="0"/>
+                        </a:spcAft>
+                        <a:buClr>
+                          <a:srgbClr val="000000"/>
+                        </a:buClr>
+                        <a:buSzPts val="1200"/>
+                        <a:buFont typeface="Arial"/>
+                        <a:buNone/>
+                      </a:pPr>
+                      <a:endParaRPr sz="1400" u="none" strike="noStrike" cap="none" dirty="0">
+                        <a:solidFill>
+                          <a:schemeClr val="tx1"/>
+                        </a:solidFill>
+                        <a:latin typeface="Times New Roman" panose="02020603050405020304" pitchFamily="18" charset="0"/>
+                        <a:ea typeface="Times New Roman"/>
+                        <a:cs typeface="Times New Roman" panose="02020603050405020304" pitchFamily="18" charset="0"/>
+                        <a:sym typeface="Times New Roman"/>
+                      </a:endParaRPr>
+                    </a:p>
+                  </a:txBody>
+                  <a:tcPr marL="91425" marR="91425" marT="91425" marB="91425"/>
+                </a:tc>
+                <a:extLst>
+                  <a:ext uri="{0D108BD9-81ED-4DB2-BD59-A6C34878D82A}">
+                    <a16:rowId xmlns:a16="http://schemas.microsoft.com/office/drawing/2014/main" val="658505797"/>
                   </a:ext>
                 </a:extLst>
               </a:tr>
@@ -9835,7 +10574,7 @@
     </p:spTree>
     <p:extLst>
       <p:ext uri="{BB962C8B-B14F-4D97-AF65-F5344CB8AC3E}">
-        <p14:creationId xmlns:p14="http://schemas.microsoft.com/office/powerpoint/2010/main" val="3924187437"/>
+        <p14:creationId xmlns:p14="http://schemas.microsoft.com/office/powerpoint/2010/main" val="2711526910"/>
       </p:ext>
     </p:extLst>
   </p:cSld>
